--- a/schedule/notes/5-Polymorphism.pptx
+++ b/schedule/notes/5-Polymorphism.pptx
@@ -267,7 +267,7 @@
             <a:fld id="{E84971C4-D6ED-436C-8B49-F7A3B8634A12}" type="datetimeFigureOut">
               <a:rPr lang="en-US" smtClean="0"/>
               <a:pPr/>
-              <a:t>1/31/2021</a:t>
+              <a:t>2/2/2021</a:t>
             </a:fld>
             <a:endParaRPr lang="en-US"/>
           </a:p>
@@ -6457,23 +6457,7 @@
                   <a:schemeClr val="tx1"/>
                 </a:solidFill>
               </a:rPr>
-              <a:t>No object of type </a:t>
-            </a:r>
-            <a:r>
-              <a:rPr lang="en-US" sz="1400" b="1" dirty="0" err="1">
-                <a:solidFill>
-                  <a:schemeClr val="tx1"/>
-                </a:solidFill>
-              </a:rPr>
-              <a:t>CollegeStudent</a:t>
-            </a:r>
-            <a:r>
-              <a:rPr lang="en-US" sz="1400" b="1" dirty="0">
-                <a:solidFill>
-                  <a:schemeClr val="tx1"/>
-                </a:solidFill>
-              </a:rPr>
-              <a:t> will be allowed.  </a:t>
+              <a:t>No object of type Shape will be allowed.  </a:t>
             </a:r>
             <a:br>
               <a:rPr lang="en-US" sz="1400" b="1" dirty="0">
@@ -6530,23 +6514,7 @@
                   <a:srgbClr val="7030A0"/>
                 </a:solidFill>
               </a:rPr>
-              <a:t>Valid class. Objects of type </a:t>
-            </a:r>
-            <a:r>
-              <a:rPr lang="en-US" sz="1400" b="1" dirty="0" err="1">
-                <a:solidFill>
-                  <a:srgbClr val="7030A0"/>
-                </a:solidFill>
-              </a:rPr>
-              <a:t>CollegeStudent</a:t>
-            </a:r>
-            <a:r>
-              <a:rPr lang="en-US" sz="1400" b="1" dirty="0">
-                <a:solidFill>
-                  <a:srgbClr val="7030A0"/>
-                </a:solidFill>
-              </a:rPr>
-              <a:t>  can be declared.</a:t>
+              <a:t>Valid class. Objects of type Shape  can be declared.</a:t>
             </a:r>
           </a:p>
         </p:txBody>
@@ -27943,7 +27911,7 @@
                 <a:latin typeface="Consolas" panose="020B0609020204030204" pitchFamily="49" charset="0"/>
                 <a:cs typeface="Courier New" pitchFamily="49" charset="0"/>
               </a:rPr>
-              <a:t>  Student s("Joe",2,5);</a:t>
+              <a:t>  Student s("Jane",2,5);</a:t>
             </a:r>
             <a:br>
               <a:rPr lang="en-US" sz="1200" dirty="0">
@@ -29216,24 +29184,14 @@
               </a:spcBef>
             </a:pPr>
             <a:r>
-              <a:rPr lang="en-US" sz="1200" dirty="0" err="1">
-                <a:solidFill>
-                  <a:schemeClr val="tx1"/>
-                </a:solidFill>
-                <a:latin typeface="Consolas" panose="020B0609020204030204" pitchFamily="49" charset="0"/>
-                <a:cs typeface="Courier New" pitchFamily="49" charset="0"/>
-              </a:rPr>
-              <a:t>int</a:t>
-            </a:r>
-            <a:r>
-              <a:rPr lang="en-US" sz="1200" dirty="0">
-                <a:solidFill>
-                  <a:schemeClr val="tx1"/>
-                </a:solidFill>
-                <a:latin typeface="Consolas" panose="020B0609020204030204" pitchFamily="49" charset="0"/>
-                <a:cs typeface="Courier New" pitchFamily="49" charset="0"/>
-              </a:rPr>
-              <a:t> main(){</a:t>
+              <a:rPr lang="en-US" sz="1200" dirty="0">
+                <a:solidFill>
+                  <a:schemeClr val="tx1"/>
+                </a:solidFill>
+                <a:latin typeface="Consolas" panose="020B0609020204030204" pitchFamily="49" charset="0"/>
+                <a:cs typeface="Courier New" pitchFamily="49" charset="0"/>
+              </a:rPr>
+              <a:t>int main(){</a:t>
             </a:r>
             <a:br>
               <a:rPr lang="en-US" sz="1200" dirty="0">
@@ -29281,7 +29239,7 @@
                 <a:latin typeface="Consolas" panose="020B0609020204030204" pitchFamily="49" charset="0"/>
                 <a:cs typeface="Courier New" pitchFamily="49" charset="0"/>
               </a:rPr>
-              <a:t>  Student *s = new Student("Joe",2,5);</a:t>
+              <a:t>  Student *s = new Student("Jane",2,5);</a:t>
             </a:r>
             <a:br>
               <a:rPr lang="en-US" sz="1200" dirty="0">
@@ -29310,7 +29268,7 @@
                 <a:latin typeface="Consolas" panose="020B0609020204030204" pitchFamily="49" charset="0"/>
                 <a:cs typeface="Courier New" pitchFamily="49" charset="0"/>
               </a:rPr>
-              <a:t>Faculty *f = new Faculty("Ken",3,0);</a:t>
+              <a:t>Faculty *f = new Faculty(“Mary",3,0);</a:t>
             </a:r>
             <a:br>
               <a:rPr lang="en-US" sz="1200" dirty="0">
@@ -29548,7 +29506,7 @@
                   <a:srgbClr val="7030A0"/>
                 </a:solidFill>
               </a:rPr>
-              <a:t>Name=Joe, ID=2</a:t>
+              <a:t>Name=Jane, ID=2</a:t>
             </a:r>
           </a:p>
           <a:p>
@@ -29559,7 +29517,7 @@
                   <a:srgbClr val="FF00FF"/>
                 </a:solidFill>
               </a:rPr>
-              <a:t>Name=Ken, ID=3</a:t>
+              <a:t>Name=Mary, ID=3</a:t>
             </a:r>
           </a:p>
         </p:txBody>
@@ -31595,24 +31553,14 @@
               </a:spcBef>
             </a:pPr>
             <a:r>
-              <a:rPr lang="en-US" sz="1200" dirty="0" err="1">
-                <a:solidFill>
-                  <a:schemeClr val="tx1"/>
-                </a:solidFill>
-                <a:latin typeface="Consolas" panose="020B0609020204030204" pitchFamily="49" charset="0"/>
-                <a:cs typeface="Courier New" pitchFamily="49" charset="0"/>
-              </a:rPr>
-              <a:t>int</a:t>
-            </a:r>
-            <a:r>
-              <a:rPr lang="en-US" sz="1200" dirty="0">
-                <a:solidFill>
-                  <a:schemeClr val="tx1"/>
-                </a:solidFill>
-                <a:latin typeface="Consolas" panose="020B0609020204030204" pitchFamily="49" charset="0"/>
-                <a:cs typeface="Courier New" pitchFamily="49" charset="0"/>
-              </a:rPr>
-              <a:t> main(){</a:t>
+              <a:rPr lang="en-US" sz="1200" dirty="0">
+                <a:solidFill>
+                  <a:schemeClr val="tx1"/>
+                </a:solidFill>
+                <a:latin typeface="Consolas" panose="020B0609020204030204" pitchFamily="49" charset="0"/>
+                <a:cs typeface="Courier New" pitchFamily="49" charset="0"/>
+              </a:rPr>
+              <a:t>int main(){</a:t>
             </a:r>
             <a:br>
               <a:rPr lang="en-US" sz="1200" dirty="0">
@@ -31660,7 +31608,7 @@
                 <a:latin typeface="Consolas" panose="020B0609020204030204" pitchFamily="49" charset="0"/>
                 <a:cs typeface="Courier New" pitchFamily="49" charset="0"/>
               </a:rPr>
-              <a:t>  Student *s = new Student("Joe",2,5);</a:t>
+              <a:t>  Student *s = new Student("Jane",2,5);</a:t>
             </a:r>
             <a:br>
               <a:rPr lang="en-US" sz="1200" dirty="0">
@@ -32183,7 +32131,7 @@
                   <a:srgbClr val="7030A0"/>
                 </a:solidFill>
               </a:rPr>
-              <a:t>Name=Joe, ID=2</a:t>
+              <a:t>Name=Jane, ID=2</a:t>
             </a:r>
           </a:p>
           <a:p>
@@ -32194,7 +32142,7 @@
                   <a:srgbClr val="FF00FF"/>
                 </a:solidFill>
               </a:rPr>
-              <a:t>Name=Ken, ID=3</a:t>
+              <a:t>Name=Mary, ID=3</a:t>
             </a:r>
           </a:p>
         </p:txBody>
@@ -33444,7 +33392,7 @@
                 </a:solidFill>
                 <a:latin typeface="Consolas" panose="020B0609020204030204" pitchFamily="49" charset="0"/>
               </a:rPr>
-              <a:t>Name=Joe, ID=2, Major = 5</a:t>
+              <a:t>Name=Jane, ID=2, Major = 5</a:t>
             </a:r>
           </a:p>
           <a:p>
@@ -33928,24 +33876,14 @@
               </a:spcBef>
             </a:pPr>
             <a:r>
-              <a:rPr lang="en-US" sz="1200" dirty="0" err="1">
-                <a:solidFill>
-                  <a:schemeClr val="tx1"/>
-                </a:solidFill>
-                <a:latin typeface="Consolas" panose="020B0609020204030204" pitchFamily="49" charset="0"/>
-                <a:cs typeface="Courier New" pitchFamily="49" charset="0"/>
-              </a:rPr>
-              <a:t>int</a:t>
-            </a:r>
-            <a:r>
-              <a:rPr lang="en-US" sz="1200" dirty="0">
-                <a:solidFill>
-                  <a:schemeClr val="tx1"/>
-                </a:solidFill>
-                <a:latin typeface="Consolas" panose="020B0609020204030204" pitchFamily="49" charset="0"/>
-                <a:cs typeface="Courier New" pitchFamily="49" charset="0"/>
-              </a:rPr>
-              <a:t> main(){</a:t>
+              <a:rPr lang="en-US" sz="1200" dirty="0">
+                <a:solidFill>
+                  <a:schemeClr val="tx1"/>
+                </a:solidFill>
+                <a:latin typeface="Consolas" panose="020B0609020204030204" pitchFamily="49" charset="0"/>
+                <a:cs typeface="Courier New" pitchFamily="49" charset="0"/>
+              </a:rPr>
+              <a:t>int main(){</a:t>
             </a:r>
             <a:br>
               <a:rPr lang="en-US" sz="1200" dirty="0">
@@ -33993,7 +33931,7 @@
                 <a:latin typeface="Consolas" panose="020B0609020204030204" pitchFamily="49" charset="0"/>
                 <a:cs typeface="Courier New" pitchFamily="49" charset="0"/>
               </a:rPr>
-              <a:t>  Student *s = new Student("Joe",2,5);</a:t>
+              <a:t>  Student *s = new Student("Jane",2,5);</a:t>
             </a:r>
             <a:br>
               <a:rPr lang="en-US" sz="1200" dirty="0">
@@ -35711,16 +35649,6 @@
               </a:spcBef>
             </a:pPr>
             <a:r>
-              <a:rPr lang="en-US" sz="1400" dirty="0" err="1">
-                <a:solidFill>
-                  <a:schemeClr val="tx1"/>
-                </a:solidFill>
-                <a:latin typeface="Consolas" panose="020B0609020204030204" pitchFamily="49" charset="0"/>
-                <a:cs typeface="Courier New" pitchFamily="49" charset="0"/>
-              </a:rPr>
-              <a:t>int</a:t>
-            </a:r>
-            <a:r>
               <a:rPr lang="en-US" sz="1400" dirty="0">
                 <a:solidFill>
                   <a:schemeClr val="tx1"/>
@@ -35728,7 +35656,7 @@
                 <a:latin typeface="Consolas" panose="020B0609020204030204" pitchFamily="49" charset="0"/>
                 <a:cs typeface="Courier New" pitchFamily="49" charset="0"/>
               </a:rPr>
-              <a:t> main()</a:t>
+              <a:t>int main()</a:t>
             </a:r>
             <a:br>
               <a:rPr lang="en-US" sz="1400" dirty="0">
@@ -35804,7 +35732,7 @@
                 <a:latin typeface="Consolas" panose="020B0609020204030204" pitchFamily="49" charset="0"/>
                 <a:cs typeface="Courier New" pitchFamily="49" charset="0"/>
               </a:rPr>
-              <a:t>  p[1] = new Student("Joe",2,5);</a:t>
+              <a:t>  p[1] = new Student("Jane",2,5);</a:t>
             </a:r>
             <a:br>
               <a:rPr lang="en-US" sz="1400" dirty="0">
@@ -35880,27 +35808,7 @@
                 <a:latin typeface="Consolas" panose="020B0609020204030204" pitchFamily="49" charset="0"/>
                 <a:cs typeface="Courier New" pitchFamily="49" charset="0"/>
               </a:rPr>
-              <a:t>  for(</a:t>
-            </a:r>
-            <a:r>
-              <a:rPr lang="en-US" sz="1400" dirty="0" err="1">
-                <a:solidFill>
-                  <a:schemeClr val="tx1"/>
-                </a:solidFill>
-                <a:latin typeface="Consolas" panose="020B0609020204030204" pitchFamily="49" charset="0"/>
-                <a:cs typeface="Courier New" pitchFamily="49" charset="0"/>
-              </a:rPr>
-              <a:t>int</a:t>
-            </a:r>
-            <a:r>
-              <a:rPr lang="en-US" sz="1400" dirty="0">
-                <a:solidFill>
-                  <a:schemeClr val="tx1"/>
-                </a:solidFill>
-                <a:latin typeface="Consolas" panose="020B0609020204030204" pitchFamily="49" charset="0"/>
-                <a:cs typeface="Courier New" pitchFamily="49" charset="0"/>
-              </a:rPr>
-              <a:t> </a:t>
+              <a:t>  for(int </a:t>
             </a:r>
             <a:r>
               <a:rPr lang="en-US" sz="1400" dirty="0" err="1">
@@ -36160,7 +36068,7 @@
                 </a:solidFill>
                 <a:latin typeface="Consolas" panose="020B0609020204030204" pitchFamily="49" charset="0"/>
               </a:rPr>
-              <a:t>Name = Joe, ID=2, Major=5</a:t>
+              <a:t>Name = Jane, ID=2, Major=5</a:t>
             </a:r>
           </a:p>
           <a:p>
@@ -37158,7 +37066,7 @@
                 </a:solidFill>
                 <a:latin typeface="Consolas" panose="020B0609020204030204" pitchFamily="49" charset="0"/>
               </a:rPr>
-              <a:t>Name=Joe, ID=2, Major = 5</a:t>
+              <a:t>Name=Jane, ID=2, Major = 5</a:t>
             </a:r>
           </a:p>
           <a:p>
@@ -37170,7 +37078,7 @@
                 </a:solidFill>
                 <a:latin typeface="Consolas" panose="020B0609020204030204" pitchFamily="49" charset="0"/>
               </a:rPr>
-              <a:t>Name=Joe, ID=2, Major = 5</a:t>
+              <a:t>Name=Jane, ID=2, Major = 5</a:t>
             </a:r>
           </a:p>
           <a:p>
@@ -37182,7 +37090,7 @@
                 </a:solidFill>
                 <a:latin typeface="Consolas" panose="020B0609020204030204" pitchFamily="49" charset="0"/>
               </a:rPr>
-              <a:t>Name=Joe, ID=2</a:t>
+              <a:t>Name=Jane, ID=2</a:t>
             </a:r>
           </a:p>
         </p:txBody>
@@ -37759,7 +37667,7 @@
                 <a:latin typeface="Consolas" panose="020B0609020204030204" pitchFamily="49" charset="0"/>
                 <a:cs typeface="Courier New" pitchFamily="49" charset="0"/>
               </a:rPr>
-              <a:t>Student s("Joe",2,5);</a:t>
+              <a:t>Student s("Jane",2,5);</a:t>
             </a:r>
             <a:br>
               <a:rPr lang="en-US" sz="1200" dirty="0">
